--- a/web_webassembly.pptx
+++ b/web_webassembly.pptx
@@ -8246,6 +8246,12 @@
             </a:r>
           </a:p>
           <a:p>
+            <a:r>
+              <a:rPr lang="es-CL" dirty="0"/>
+              <a:t>Transformación de parámetros; enviar arreglos y recibir arreglos desde JavaScript.</a:t>
+            </a:r>
+          </a:p>
+          <a:p>
             <a:endParaRPr lang="es-CL" dirty="0"/>
           </a:p>
         </p:txBody>
